--- a/VTK学习笔记.pptx
+++ b/VTK学习笔记.pptx
@@ -7,12 +7,15 @@
   <p:sldIdLst>
     <p:sldId id="256" r:id="rId2"/>
     <p:sldId id="257" r:id="rId3"/>
-    <p:sldId id="263" r:id="rId4"/>
-    <p:sldId id="258" r:id="rId5"/>
+    <p:sldId id="264" r:id="rId4"/>
+    <p:sldId id="263" r:id="rId5"/>
     <p:sldId id="259" r:id="rId6"/>
-    <p:sldId id="260" r:id="rId7"/>
-    <p:sldId id="261" r:id="rId8"/>
-    <p:sldId id="262" r:id="rId9"/>
+    <p:sldId id="265" r:id="rId7"/>
+    <p:sldId id="266" r:id="rId8"/>
+    <p:sldId id="258" r:id="rId9"/>
+    <p:sldId id="260" r:id="rId10"/>
+    <p:sldId id="261" r:id="rId11"/>
+    <p:sldId id="262" r:id="rId12"/>
   </p:sldIdLst>
   <p:sldSz cx="12192000" cy="6858000"/>
   <p:notesSz cx="6858000" cy="9144000"/>
@@ -250,7 +253,7 @@
           <a:p>
             <a:fld id="{6FB65483-AF98-480E-A914-50BAA0AAC782}" type="datetimeFigureOut">
               <a:rPr lang="zh-CN" altLang="en-US" smtClean="0"/>
-              <a:t>2017/9/15</a:t>
+              <a:t>2017/9/18</a:t>
             </a:fld>
             <a:endParaRPr lang="zh-CN" altLang="en-US"/>
           </a:p>
@@ -420,7 +423,7 @@
           <a:p>
             <a:fld id="{6FB65483-AF98-480E-A914-50BAA0AAC782}" type="datetimeFigureOut">
               <a:rPr lang="zh-CN" altLang="en-US" smtClean="0"/>
-              <a:t>2017/9/15</a:t>
+              <a:t>2017/9/18</a:t>
             </a:fld>
             <a:endParaRPr lang="zh-CN" altLang="en-US"/>
           </a:p>
@@ -600,7 +603,7 @@
           <a:p>
             <a:fld id="{6FB65483-AF98-480E-A914-50BAA0AAC782}" type="datetimeFigureOut">
               <a:rPr lang="zh-CN" altLang="en-US" smtClean="0"/>
-              <a:t>2017/9/15</a:t>
+              <a:t>2017/9/18</a:t>
             </a:fld>
             <a:endParaRPr lang="zh-CN" altLang="en-US"/>
           </a:p>
@@ -770,7 +773,7 @@
           <a:p>
             <a:fld id="{6FB65483-AF98-480E-A914-50BAA0AAC782}" type="datetimeFigureOut">
               <a:rPr lang="zh-CN" altLang="en-US" smtClean="0"/>
-              <a:t>2017/9/15</a:t>
+              <a:t>2017/9/18</a:t>
             </a:fld>
             <a:endParaRPr lang="zh-CN" altLang="en-US"/>
           </a:p>
@@ -1016,7 +1019,7 @@
           <a:p>
             <a:fld id="{6FB65483-AF98-480E-A914-50BAA0AAC782}" type="datetimeFigureOut">
               <a:rPr lang="zh-CN" altLang="en-US" smtClean="0"/>
-              <a:t>2017/9/15</a:t>
+              <a:t>2017/9/18</a:t>
             </a:fld>
             <a:endParaRPr lang="zh-CN" altLang="en-US"/>
           </a:p>
@@ -1248,7 +1251,7 @@
           <a:p>
             <a:fld id="{6FB65483-AF98-480E-A914-50BAA0AAC782}" type="datetimeFigureOut">
               <a:rPr lang="zh-CN" altLang="en-US" smtClean="0"/>
-              <a:t>2017/9/15</a:t>
+              <a:t>2017/9/18</a:t>
             </a:fld>
             <a:endParaRPr lang="zh-CN" altLang="en-US"/>
           </a:p>
@@ -1615,7 +1618,7 @@
           <a:p>
             <a:fld id="{6FB65483-AF98-480E-A914-50BAA0AAC782}" type="datetimeFigureOut">
               <a:rPr lang="zh-CN" altLang="en-US" smtClean="0"/>
-              <a:t>2017/9/15</a:t>
+              <a:t>2017/9/18</a:t>
             </a:fld>
             <a:endParaRPr lang="zh-CN" altLang="en-US"/>
           </a:p>
@@ -1733,7 +1736,7 @@
           <a:p>
             <a:fld id="{6FB65483-AF98-480E-A914-50BAA0AAC782}" type="datetimeFigureOut">
               <a:rPr lang="zh-CN" altLang="en-US" smtClean="0"/>
-              <a:t>2017/9/15</a:t>
+              <a:t>2017/9/18</a:t>
             </a:fld>
             <a:endParaRPr lang="zh-CN" altLang="en-US"/>
           </a:p>
@@ -1828,7 +1831,7 @@
           <a:p>
             <a:fld id="{6FB65483-AF98-480E-A914-50BAA0AAC782}" type="datetimeFigureOut">
               <a:rPr lang="zh-CN" altLang="en-US" smtClean="0"/>
-              <a:t>2017/9/15</a:t>
+              <a:t>2017/9/18</a:t>
             </a:fld>
             <a:endParaRPr lang="zh-CN" altLang="en-US"/>
           </a:p>
@@ -2105,7 +2108,7 @@
           <a:p>
             <a:fld id="{6FB65483-AF98-480E-A914-50BAA0AAC782}" type="datetimeFigureOut">
               <a:rPr lang="zh-CN" altLang="en-US" smtClean="0"/>
-              <a:t>2017/9/15</a:t>
+              <a:t>2017/9/18</a:t>
             </a:fld>
             <a:endParaRPr lang="zh-CN" altLang="en-US"/>
           </a:p>
@@ -2358,7 +2361,7 @@
           <a:p>
             <a:fld id="{6FB65483-AF98-480E-A914-50BAA0AAC782}" type="datetimeFigureOut">
               <a:rPr lang="zh-CN" altLang="en-US" smtClean="0"/>
-              <a:t>2017/9/15</a:t>
+              <a:t>2017/9/18</a:t>
             </a:fld>
             <a:endParaRPr lang="zh-CN" altLang="en-US"/>
           </a:p>
@@ -2571,7 +2574,7 @@
           <a:p>
             <a:fld id="{6FB65483-AF98-480E-A914-50BAA0AAC782}" type="datetimeFigureOut">
               <a:rPr lang="zh-CN" altLang="en-US" smtClean="0"/>
-              <a:t>2017/9/15</a:t>
+              <a:t>2017/9/18</a:t>
             </a:fld>
             <a:endParaRPr lang="zh-CN" altLang="en-US"/>
           </a:p>
@@ -3039,6 +3042,668 @@
 </p:sld>
 </file>
 
+<file path=ppt/slides/slide10.xml><?xml version="1.0" encoding="utf-8"?>
+<p:sld xmlns:a="http://schemas.openxmlformats.org/drawingml/2006/main" xmlns:r="http://schemas.openxmlformats.org/officeDocument/2006/relationships" xmlns:p="http://schemas.openxmlformats.org/presentationml/2006/main">
+  <p:cSld>
+    <p:spTree>
+      <p:nvGrpSpPr>
+        <p:cNvPr id="1" name=""/>
+        <p:cNvGrpSpPr/>
+        <p:nvPr/>
+      </p:nvGrpSpPr>
+      <p:grpSpPr>
+        <a:xfrm>
+          <a:off x="0" y="0"/>
+          <a:ext cx="0" cy="0"/>
+          <a:chOff x="0" y="0"/>
+          <a:chExt cx="0" cy="0"/>
+        </a:xfrm>
+      </p:grpSpPr>
+      <p:pic>
+        <p:nvPicPr>
+          <p:cNvPr id="4" name="图片 3"/>
+          <p:cNvPicPr>
+            <a:picLocks noChangeAspect="1"/>
+          </p:cNvPicPr>
+          <p:nvPr/>
+        </p:nvPicPr>
+        <p:blipFill>
+          <a:blip r:embed="rId2">
+            <a:extLst>
+              <a:ext uri="{28A0092B-C50C-407E-A947-70E740481C1C}">
+                <a14:useLocalDpi xmlns:a14="http://schemas.microsoft.com/office/drawing/2010/main" val="0"/>
+              </a:ext>
+            </a:extLst>
+          </a:blip>
+          <a:stretch>
+            <a:fillRect/>
+          </a:stretch>
+        </p:blipFill>
+        <p:spPr>
+          <a:xfrm>
+            <a:off x="254824" y="439947"/>
+            <a:ext cx="11803122" cy="5503653"/>
+          </a:xfrm>
+          <a:prstGeom prst="rect">
+            <a:avLst/>
+          </a:prstGeom>
+        </p:spPr>
+      </p:pic>
+      <p:sp>
+        <p:nvSpPr>
+          <p:cNvPr id="5" name="矩形 4"/>
+          <p:cNvSpPr/>
+          <p:nvPr/>
+        </p:nvSpPr>
+        <p:spPr>
+          <a:xfrm>
+            <a:off x="9468177" y="6488668"/>
+            <a:ext cx="2723823" cy="369332"/>
+          </a:xfrm>
+          <a:prstGeom prst="rect">
+            <a:avLst/>
+          </a:prstGeom>
+        </p:spPr>
+        <p:txBody>
+          <a:bodyPr wrap="none">
+            <a:spAutoFit/>
+          </a:bodyPr>
+          <a:lstStyle/>
+          <a:p>
+            <a:r>
+              <a:rPr lang="zh-CN" altLang="en-US" dirty="0">
+                <a:solidFill>
+                  <a:srgbClr val="454545"/>
+                </a:solidFill>
+                <a:latin typeface="PingFang SC"/>
+              </a:rPr>
+              <a:t>体绘制</a:t>
+            </a:r>
+            <a:r>
+              <a:rPr lang="zh-CN" altLang="en-US" dirty="0" smtClean="0">
+                <a:solidFill>
+                  <a:srgbClr val="454545"/>
+                </a:solidFill>
+                <a:latin typeface="PingFang SC"/>
+              </a:rPr>
+              <a:t>渲染</a:t>
+            </a:r>
+            <a:r>
+              <a:rPr lang="en-US" altLang="zh-CN" dirty="0" err="1" smtClean="0">
+                <a:solidFill>
+                  <a:srgbClr val="454545"/>
+                </a:solidFill>
+                <a:latin typeface="PingFang SC"/>
+              </a:rPr>
+              <a:t>VolumeMapper</a:t>
+            </a:r>
+            <a:endParaRPr lang="zh-CN" altLang="en-US" dirty="0"/>
+          </a:p>
+        </p:txBody>
+      </p:sp>
+      <p:sp>
+        <p:nvSpPr>
+          <p:cNvPr id="6" name="圆角矩形 5"/>
+          <p:cNvSpPr/>
+          <p:nvPr/>
+        </p:nvSpPr>
+        <p:spPr>
+          <a:xfrm>
+            <a:off x="3640347" y="3545457"/>
+            <a:ext cx="5650302" cy="828135"/>
+          </a:xfrm>
+          <a:prstGeom prst="roundRect">
+            <a:avLst/>
+          </a:prstGeom>
+          <a:noFill/>
+          <a:ln w="57150">
+            <a:solidFill>
+              <a:schemeClr val="accent1">
+                <a:lumMod val="75000"/>
+              </a:schemeClr>
+            </a:solidFill>
+          </a:ln>
+        </p:spPr>
+        <p:style>
+          <a:lnRef idx="2">
+            <a:schemeClr val="accent1">
+              <a:shade val="50000"/>
+            </a:schemeClr>
+          </a:lnRef>
+          <a:fillRef idx="1">
+            <a:schemeClr val="accent1"/>
+          </a:fillRef>
+          <a:effectRef idx="0">
+            <a:schemeClr val="accent1"/>
+          </a:effectRef>
+          <a:fontRef idx="minor">
+            <a:schemeClr val="lt1"/>
+          </a:fontRef>
+        </p:style>
+        <p:txBody>
+          <a:bodyPr rtlCol="0" anchor="ctr"/>
+          <a:lstStyle/>
+          <a:p>
+            <a:pPr algn="ctr"/>
+            <a:endParaRPr lang="zh-CN" altLang="en-US"/>
+          </a:p>
+        </p:txBody>
+      </p:sp>
+      <p:sp>
+        <p:nvSpPr>
+          <p:cNvPr id="7" name="矩形 6"/>
+          <p:cNvSpPr/>
+          <p:nvPr/>
+        </p:nvSpPr>
+        <p:spPr>
+          <a:xfrm>
+            <a:off x="8102327" y="3774858"/>
+            <a:ext cx="877163" cy="369332"/>
+          </a:xfrm>
+          <a:prstGeom prst="rect">
+            <a:avLst/>
+          </a:prstGeom>
+        </p:spPr>
+        <p:txBody>
+          <a:bodyPr wrap="none">
+            <a:spAutoFit/>
+          </a:bodyPr>
+          <a:lstStyle/>
+          <a:p>
+            <a:r>
+              <a:rPr lang="zh-CN" altLang="en-US" dirty="0" smtClean="0">
+                <a:solidFill>
+                  <a:srgbClr val="FF0000"/>
+                </a:solidFill>
+                <a:latin typeface="PingFang SC"/>
+              </a:rPr>
+              <a:t>被废弃</a:t>
+            </a:r>
+            <a:endParaRPr lang="zh-CN" altLang="en-US" dirty="0">
+              <a:solidFill>
+                <a:srgbClr val="FF0000"/>
+              </a:solidFill>
+            </a:endParaRPr>
+          </a:p>
+        </p:txBody>
+      </p:sp>
+      <p:sp>
+        <p:nvSpPr>
+          <p:cNvPr id="8" name="圆角矩形 7"/>
+          <p:cNvSpPr/>
+          <p:nvPr/>
+        </p:nvSpPr>
+        <p:spPr>
+          <a:xfrm>
+            <a:off x="3740990" y="1153064"/>
+            <a:ext cx="8265199" cy="828135"/>
+          </a:xfrm>
+          <a:prstGeom prst="roundRect">
+            <a:avLst/>
+          </a:prstGeom>
+          <a:noFill/>
+          <a:ln w="57150">
+            <a:solidFill>
+              <a:srgbClr val="C00000"/>
+            </a:solidFill>
+          </a:ln>
+        </p:spPr>
+        <p:style>
+          <a:lnRef idx="2">
+            <a:schemeClr val="accent1">
+              <a:shade val="50000"/>
+            </a:schemeClr>
+          </a:lnRef>
+          <a:fillRef idx="1">
+            <a:schemeClr val="accent1"/>
+          </a:fillRef>
+          <a:effectRef idx="0">
+            <a:schemeClr val="accent1"/>
+          </a:effectRef>
+          <a:fontRef idx="minor">
+            <a:schemeClr val="lt1"/>
+          </a:fontRef>
+        </p:style>
+        <p:txBody>
+          <a:bodyPr rtlCol="0" anchor="ctr"/>
+          <a:lstStyle/>
+          <a:p>
+            <a:pPr algn="ctr"/>
+            <a:endParaRPr lang="zh-CN" altLang="en-US"/>
+          </a:p>
+        </p:txBody>
+      </p:sp>
+      <p:sp>
+        <p:nvSpPr>
+          <p:cNvPr id="9" name="圆角矩形 8"/>
+          <p:cNvSpPr/>
+          <p:nvPr/>
+        </p:nvSpPr>
+        <p:spPr>
+          <a:xfrm>
+            <a:off x="3706485" y="324929"/>
+            <a:ext cx="8265199" cy="828135"/>
+          </a:xfrm>
+          <a:prstGeom prst="roundRect">
+            <a:avLst/>
+          </a:prstGeom>
+          <a:noFill/>
+          <a:ln w="57150">
+            <a:solidFill>
+              <a:srgbClr val="C00000"/>
+            </a:solidFill>
+          </a:ln>
+        </p:spPr>
+        <p:style>
+          <a:lnRef idx="2">
+            <a:schemeClr val="accent1">
+              <a:shade val="50000"/>
+            </a:schemeClr>
+          </a:lnRef>
+          <a:fillRef idx="1">
+            <a:schemeClr val="accent1"/>
+          </a:fillRef>
+          <a:effectRef idx="0">
+            <a:schemeClr val="accent1"/>
+          </a:effectRef>
+          <a:fontRef idx="minor">
+            <a:schemeClr val="lt1"/>
+          </a:fontRef>
+        </p:style>
+        <p:txBody>
+          <a:bodyPr rtlCol="0" anchor="ctr"/>
+          <a:lstStyle/>
+          <a:p>
+            <a:pPr algn="ctr"/>
+            <a:endParaRPr lang="zh-CN" altLang="en-US"/>
+          </a:p>
+        </p:txBody>
+      </p:sp>
+      <p:sp>
+        <p:nvSpPr>
+          <p:cNvPr id="11" name="矩形 10"/>
+          <p:cNvSpPr/>
+          <p:nvPr/>
+        </p:nvSpPr>
+        <p:spPr>
+          <a:xfrm>
+            <a:off x="8220223" y="606101"/>
+            <a:ext cx="2031325" cy="369332"/>
+          </a:xfrm>
+          <a:prstGeom prst="rect">
+            <a:avLst/>
+          </a:prstGeom>
+        </p:spPr>
+        <p:txBody>
+          <a:bodyPr wrap="none">
+            <a:spAutoFit/>
+          </a:bodyPr>
+          <a:lstStyle/>
+          <a:p>
+            <a:r>
+              <a:rPr lang="zh-CN" altLang="en-US" dirty="0" smtClean="0">
+                <a:solidFill>
+                  <a:srgbClr val="FF0000"/>
+                </a:solidFill>
+              </a:rPr>
+              <a:t>太慢了，不能使用</a:t>
+            </a:r>
+            <a:endParaRPr lang="zh-CN" altLang="en-US" dirty="0">
+              <a:solidFill>
+                <a:srgbClr val="FF0000"/>
+              </a:solidFill>
+            </a:endParaRPr>
+          </a:p>
+        </p:txBody>
+      </p:sp>
+    </p:spTree>
+    <p:extLst>
+      <p:ext uri="{BB962C8B-B14F-4D97-AF65-F5344CB8AC3E}">
+        <p14:creationId xmlns:p14="http://schemas.microsoft.com/office/powerpoint/2010/main" val="313429387"/>
+      </p:ext>
+    </p:extLst>
+  </p:cSld>
+  <p:clrMapOvr>
+    <a:masterClrMapping/>
+  </p:clrMapOvr>
+  <p:timing>
+    <p:tnLst>
+      <p:par>
+        <p:cTn id="1" dur="indefinite" restart="never" nodeType="tmRoot"/>
+      </p:par>
+    </p:tnLst>
+  </p:timing>
+</p:sld>
+</file>
+
+<file path=ppt/slides/slide11.xml><?xml version="1.0" encoding="utf-8"?>
+<p:sld xmlns:a="http://schemas.openxmlformats.org/drawingml/2006/main" xmlns:r="http://schemas.openxmlformats.org/officeDocument/2006/relationships" xmlns:p="http://schemas.openxmlformats.org/presentationml/2006/main">
+  <p:cSld>
+    <p:spTree>
+      <p:nvGrpSpPr>
+        <p:cNvPr id="1" name=""/>
+        <p:cNvGrpSpPr/>
+        <p:nvPr/>
+      </p:nvGrpSpPr>
+      <p:grpSpPr>
+        <a:xfrm>
+          <a:off x="0" y="0"/>
+          <a:ext cx="0" cy="0"/>
+          <a:chOff x="0" y="0"/>
+          <a:chExt cx="0" cy="0"/>
+        </a:xfrm>
+      </p:grpSpPr>
+      <p:sp>
+        <p:nvSpPr>
+          <p:cNvPr id="5" name="矩形 4"/>
+          <p:cNvSpPr/>
+          <p:nvPr/>
+        </p:nvSpPr>
+        <p:spPr>
+          <a:xfrm>
+            <a:off x="9687805" y="6488668"/>
+            <a:ext cx="2492990" cy="369332"/>
+          </a:xfrm>
+          <a:prstGeom prst="rect">
+            <a:avLst/>
+          </a:prstGeom>
+        </p:spPr>
+        <p:txBody>
+          <a:bodyPr wrap="none">
+            <a:spAutoFit/>
+          </a:bodyPr>
+          <a:lstStyle/>
+          <a:p>
+            <a:r>
+              <a:rPr lang="en-US" altLang="zh-CN" dirty="0" err="1" smtClean="0">
+                <a:solidFill>
+                  <a:srgbClr val="454545"/>
+                </a:solidFill>
+                <a:latin typeface="PingFang SC"/>
+              </a:rPr>
+              <a:t>VolumeMapper</a:t>
+            </a:r>
+            <a:r>
+              <a:rPr lang="zh-CN" altLang="en-US" dirty="0" smtClean="0">
+                <a:solidFill>
+                  <a:srgbClr val="454545"/>
+                </a:solidFill>
+                <a:latin typeface="PingFang SC"/>
+              </a:rPr>
+              <a:t>设置特性</a:t>
+            </a:r>
+            <a:endParaRPr lang="zh-CN" altLang="en-US" dirty="0"/>
+          </a:p>
+        </p:txBody>
+      </p:sp>
+      <p:sp>
+        <p:nvSpPr>
+          <p:cNvPr id="6" name="矩形 5"/>
+          <p:cNvSpPr/>
+          <p:nvPr/>
+        </p:nvSpPr>
+        <p:spPr>
+          <a:xfrm>
+            <a:off x="422693" y="335325"/>
+            <a:ext cx="11662914" cy="1200329"/>
+          </a:xfrm>
+          <a:prstGeom prst="rect">
+            <a:avLst/>
+          </a:prstGeom>
+        </p:spPr>
+        <p:txBody>
+          <a:bodyPr wrap="square">
+            <a:spAutoFit/>
+          </a:bodyPr>
+          <a:lstStyle/>
+          <a:p>
+            <a:r>
+              <a:rPr lang="en-US" altLang="zh-CN" dirty="0" smtClean="0">
+                <a:solidFill>
+                  <a:srgbClr val="008000"/>
+                </a:solidFill>
+                <a:latin typeface="新宋体" panose="02010609030101010101" pitchFamily="49" charset="-122"/>
+                <a:ea typeface="新宋体" panose="02010609030101010101" pitchFamily="49" charset="-122"/>
+              </a:rPr>
+              <a:t>//</a:t>
+            </a:r>
+            <a:r>
+              <a:rPr lang="zh-CN" altLang="en-US" dirty="0">
+                <a:solidFill>
+                  <a:srgbClr val="008000"/>
+                </a:solidFill>
+                <a:latin typeface="新宋体" panose="02010609030101010101" pitchFamily="49" charset="-122"/>
+                <a:ea typeface="新宋体" panose="02010609030101010101" pitchFamily="49" charset="-122"/>
+              </a:rPr>
+              <a:t>设置光线采样距离决定图像的精细程度</a:t>
+            </a:r>
+            <a:endParaRPr lang="zh-CN" altLang="en-US" dirty="0">
+              <a:solidFill>
+                <a:srgbClr val="000000"/>
+              </a:solidFill>
+              <a:latin typeface="新宋体" panose="02010609030101010101" pitchFamily="49" charset="-122"/>
+              <a:ea typeface="新宋体" panose="02010609030101010101" pitchFamily="49" charset="-122"/>
+            </a:endParaRPr>
+          </a:p>
+          <a:p>
+            <a:r>
+              <a:rPr lang="en-US" altLang="zh-CN" dirty="0" smtClean="0">
+                <a:solidFill>
+                  <a:srgbClr val="008000"/>
+                </a:solidFill>
+                <a:latin typeface="新宋体" panose="02010609030101010101" pitchFamily="49" charset="-122"/>
+                <a:ea typeface="新宋体" panose="02010609030101010101" pitchFamily="49" charset="-122"/>
+              </a:rPr>
+              <a:t>//</a:t>
+            </a:r>
+            <a:r>
+              <a:rPr lang="zh-CN" altLang="en-US" dirty="0">
+                <a:solidFill>
+                  <a:srgbClr val="008000"/>
+                </a:solidFill>
+                <a:latin typeface="新宋体" panose="02010609030101010101" pitchFamily="49" charset="-122"/>
+                <a:ea typeface="新宋体" panose="02010609030101010101" pitchFamily="49" charset="-122"/>
+              </a:rPr>
+              <a:t>投影光线上的采样点的步长</a:t>
+            </a:r>
+            <a:r>
+              <a:rPr lang="en-US" altLang="zh-CN" dirty="0">
+                <a:solidFill>
+                  <a:srgbClr val="008000"/>
+                </a:solidFill>
+                <a:latin typeface="新宋体" panose="02010609030101010101" pitchFamily="49" charset="-122"/>
+                <a:ea typeface="新宋体" panose="02010609030101010101" pitchFamily="49" charset="-122"/>
+              </a:rPr>
+              <a:t>(</a:t>
+            </a:r>
+            <a:r>
+              <a:rPr lang="zh-CN" altLang="en-US" dirty="0">
+                <a:solidFill>
+                  <a:srgbClr val="008000"/>
+                </a:solidFill>
+                <a:latin typeface="新宋体" panose="02010609030101010101" pitchFamily="49" charset="-122"/>
+                <a:ea typeface="新宋体" panose="02010609030101010101" pitchFamily="49" charset="-122"/>
+              </a:rPr>
+              <a:t>一条光线上采样点步长</a:t>
+            </a:r>
+            <a:r>
+              <a:rPr lang="en-US" altLang="zh-CN" dirty="0" smtClean="0">
+                <a:solidFill>
+                  <a:srgbClr val="008000"/>
+                </a:solidFill>
+                <a:latin typeface="新宋体" panose="02010609030101010101" pitchFamily="49" charset="-122"/>
+                <a:ea typeface="新宋体" panose="02010609030101010101" pitchFamily="49" charset="-122"/>
+              </a:rPr>
+              <a:t>)</a:t>
+            </a:r>
+            <a:r>
+              <a:rPr lang="zh-CN" altLang="en-US" dirty="0">
+                <a:solidFill>
+                  <a:srgbClr val="008000"/>
+                </a:solidFill>
+                <a:latin typeface="新宋体" panose="02010609030101010101" pitchFamily="49" charset="-122"/>
+                <a:ea typeface="新宋体" panose="02010609030101010101" pitchFamily="49" charset="-122"/>
+              </a:rPr>
+              <a:t> ，默认值</a:t>
+            </a:r>
+            <a:r>
+              <a:rPr lang="zh-CN" altLang="en-US" dirty="0" smtClean="0">
+                <a:solidFill>
+                  <a:srgbClr val="008000"/>
+                </a:solidFill>
+                <a:latin typeface="新宋体" panose="02010609030101010101" pitchFamily="49" charset="-122"/>
+                <a:ea typeface="新宋体" panose="02010609030101010101" pitchFamily="49" charset="-122"/>
+              </a:rPr>
+              <a:t>是</a:t>
+            </a:r>
+            <a:r>
+              <a:rPr lang="en-US" altLang="zh-CN" dirty="0" smtClean="0">
+                <a:solidFill>
+                  <a:srgbClr val="008000"/>
+                </a:solidFill>
+                <a:latin typeface="新宋体" panose="02010609030101010101" pitchFamily="49" charset="-122"/>
+                <a:ea typeface="新宋体" panose="02010609030101010101" pitchFamily="49" charset="-122"/>
+              </a:rPr>
+              <a:t>1</a:t>
+            </a:r>
+            <a:r>
+              <a:rPr lang="zh-CN" altLang="en-US" dirty="0" smtClean="0">
+                <a:solidFill>
+                  <a:srgbClr val="008000"/>
+                </a:solidFill>
+                <a:latin typeface="新宋体" panose="02010609030101010101" pitchFamily="49" charset="-122"/>
+                <a:ea typeface="新宋体" panose="02010609030101010101" pitchFamily="49" charset="-122"/>
+              </a:rPr>
+              <a:t>个体素</a:t>
+            </a:r>
+            <a:endParaRPr lang="zh-CN" altLang="en-US" dirty="0">
+              <a:solidFill>
+                <a:srgbClr val="000000"/>
+              </a:solidFill>
+              <a:latin typeface="新宋体" panose="02010609030101010101" pitchFamily="49" charset="-122"/>
+              <a:ea typeface="新宋体" panose="02010609030101010101" pitchFamily="49" charset="-122"/>
+            </a:endParaRPr>
+          </a:p>
+          <a:p>
+            <a:r>
+              <a:rPr lang="en-US" altLang="zh-CN" dirty="0" err="1" smtClean="0">
+                <a:solidFill>
+                  <a:srgbClr val="000000"/>
+                </a:solidFill>
+                <a:latin typeface="新宋体" panose="02010609030101010101" pitchFamily="49" charset="-122"/>
+                <a:ea typeface="新宋体" panose="02010609030101010101" pitchFamily="49" charset="-122"/>
+              </a:rPr>
+              <a:t>volumeMapper</a:t>
+            </a:r>
+            <a:r>
+              <a:rPr lang="en-US" altLang="zh-CN" dirty="0" smtClean="0">
+                <a:solidFill>
+                  <a:srgbClr val="008080"/>
+                </a:solidFill>
+                <a:latin typeface="新宋体" panose="02010609030101010101" pitchFamily="49" charset="-122"/>
+                <a:ea typeface="新宋体" panose="02010609030101010101" pitchFamily="49" charset="-122"/>
+              </a:rPr>
+              <a:t>-</a:t>
+            </a:r>
+            <a:r>
+              <a:rPr lang="en-US" altLang="zh-CN" dirty="0">
+                <a:solidFill>
+                  <a:srgbClr val="008080"/>
+                </a:solidFill>
+                <a:latin typeface="新宋体" panose="02010609030101010101" pitchFamily="49" charset="-122"/>
+                <a:ea typeface="新宋体" panose="02010609030101010101" pitchFamily="49" charset="-122"/>
+              </a:rPr>
+              <a:t>&gt;</a:t>
+            </a:r>
+            <a:r>
+              <a:rPr lang="en-US" altLang="zh-CN" dirty="0" err="1">
+                <a:solidFill>
+                  <a:srgbClr val="000000"/>
+                </a:solidFill>
+                <a:latin typeface="新宋体" panose="02010609030101010101" pitchFamily="49" charset="-122"/>
+                <a:ea typeface="新宋体" panose="02010609030101010101" pitchFamily="49" charset="-122"/>
+              </a:rPr>
+              <a:t>SetSampleDistance</a:t>
+            </a:r>
+            <a:r>
+              <a:rPr lang="en-US" altLang="zh-CN" dirty="0">
+                <a:solidFill>
+                  <a:srgbClr val="000000"/>
+                </a:solidFill>
+                <a:latin typeface="新宋体" panose="02010609030101010101" pitchFamily="49" charset="-122"/>
+                <a:ea typeface="新宋体" panose="02010609030101010101" pitchFamily="49" charset="-122"/>
+              </a:rPr>
+              <a:t>(</a:t>
+            </a:r>
+            <a:r>
+              <a:rPr lang="en-US" altLang="zh-CN" dirty="0" err="1">
+                <a:solidFill>
+                  <a:srgbClr val="000000"/>
+                </a:solidFill>
+                <a:latin typeface="新宋体" panose="02010609030101010101" pitchFamily="49" charset="-122"/>
+                <a:ea typeface="新宋体" panose="02010609030101010101" pitchFamily="49" charset="-122"/>
+              </a:rPr>
+              <a:t>volumeMapper</a:t>
+            </a:r>
+            <a:r>
+              <a:rPr lang="en-US" altLang="zh-CN" dirty="0">
+                <a:solidFill>
+                  <a:srgbClr val="008080"/>
+                </a:solidFill>
+                <a:latin typeface="新宋体" panose="02010609030101010101" pitchFamily="49" charset="-122"/>
+                <a:ea typeface="新宋体" panose="02010609030101010101" pitchFamily="49" charset="-122"/>
+              </a:rPr>
+              <a:t>-&gt;</a:t>
+            </a:r>
+            <a:r>
+              <a:rPr lang="en-US" altLang="zh-CN" dirty="0" err="1">
+                <a:solidFill>
+                  <a:srgbClr val="000000"/>
+                </a:solidFill>
+                <a:latin typeface="新宋体" panose="02010609030101010101" pitchFamily="49" charset="-122"/>
+                <a:ea typeface="新宋体" panose="02010609030101010101" pitchFamily="49" charset="-122"/>
+              </a:rPr>
+              <a:t>GetSampleDistance</a:t>
+            </a:r>
+            <a:r>
+              <a:rPr lang="en-US" altLang="zh-CN" dirty="0">
+                <a:solidFill>
+                  <a:srgbClr val="000000"/>
+                </a:solidFill>
+                <a:latin typeface="新宋体" panose="02010609030101010101" pitchFamily="49" charset="-122"/>
+                <a:ea typeface="新宋体" panose="02010609030101010101" pitchFamily="49" charset="-122"/>
+              </a:rPr>
+              <a:t>()*4);  </a:t>
+            </a:r>
+          </a:p>
+          <a:p>
+            <a:r>
+              <a:rPr lang="zh-CN" altLang="en-US" dirty="0">
+                <a:solidFill>
+                  <a:srgbClr val="000000"/>
+                </a:solidFill>
+                <a:latin typeface="新宋体" panose="02010609030101010101" pitchFamily="49" charset="-122"/>
+                <a:ea typeface="新宋体" panose="02010609030101010101" pitchFamily="49" charset="-122"/>
+              </a:rPr>
+              <a:t> </a:t>
+            </a:r>
+            <a:endParaRPr lang="zh-CN" altLang="en-US" dirty="0"/>
+          </a:p>
+        </p:txBody>
+      </p:sp>
+    </p:spTree>
+    <p:extLst>
+      <p:ext uri="{BB962C8B-B14F-4D97-AF65-F5344CB8AC3E}">
+        <p14:creationId xmlns:p14="http://schemas.microsoft.com/office/powerpoint/2010/main" val="3272603641"/>
+      </p:ext>
+    </p:extLst>
+  </p:cSld>
+  <p:clrMapOvr>
+    <a:masterClrMapping/>
+  </p:clrMapOvr>
+</p:sld>
+</file>
+
 <file path=ppt/slides/slide2.xml><?xml version="1.0" encoding="utf-8"?>
 <p:sld xmlns:a="http://schemas.openxmlformats.org/drawingml/2006/main" xmlns:r="http://schemas.openxmlformats.org/officeDocument/2006/relationships" xmlns:p="http://schemas.openxmlformats.org/presentationml/2006/main">
   <p:cSld>
@@ -3095,6 +3760,9 @@
           <a:lstStyle/>
           <a:p>
             <a:pPr marL="514350" indent="-514350">
+              <a:lnSpc>
+                <a:spcPct val="150000"/>
+              </a:lnSpc>
               <a:buAutoNum type="arabicPeriod"/>
             </a:pPr>
             <a:r>
@@ -3119,6 +3787,9 @@
           </a:p>
           <a:p>
             <a:pPr marL="514350" indent="-514350">
+              <a:lnSpc>
+                <a:spcPct val="150000"/>
+              </a:lnSpc>
               <a:buAutoNum type="arabicPeriod"/>
             </a:pPr>
             <a:r>
@@ -3136,6 +3807,39 @@
             <a:r>
               <a:rPr lang="en-US" altLang="zh-CN" dirty="0" smtClean="0"/>
               <a:t>Source Code </a:t>
+            </a:r>
+            <a:endParaRPr lang="en-US" altLang="zh-CN" dirty="0" smtClean="0"/>
+          </a:p>
+          <a:p>
+            <a:pPr marL="514350" indent="-514350">
+              <a:lnSpc>
+                <a:spcPct val="150000"/>
+              </a:lnSpc>
+              <a:buAutoNum type="arabicPeriod"/>
+            </a:pPr>
+            <a:r>
+              <a:rPr lang="zh-CN" altLang="en-US" dirty="0" smtClean="0"/>
+              <a:t>使用</a:t>
+            </a:r>
+            <a:r>
+              <a:rPr lang="en-US" altLang="zh-CN" dirty="0" err="1" smtClean="0"/>
+              <a:t>Cmake</a:t>
+            </a:r>
+            <a:r>
+              <a:rPr lang="en-US" altLang="zh-CN" dirty="0" smtClean="0"/>
+              <a:t> </a:t>
+            </a:r>
+            <a:r>
+              <a:rPr lang="en-US" altLang="zh-CN" dirty="0" err="1" smtClean="0"/>
+              <a:t>Config</a:t>
+            </a:r>
+            <a:r>
+              <a:rPr lang="en-US" altLang="zh-CN" dirty="0" smtClean="0"/>
+              <a:t> VTK Source Code</a:t>
+            </a:r>
+            <a:r>
+              <a:rPr lang="zh-CN" altLang="en-US" dirty="0" smtClean="0"/>
+              <a:t>见视频</a:t>
             </a:r>
             <a:endParaRPr lang="zh-CN" altLang="en-US" dirty="0"/>
           </a:p>
@@ -3155,6 +3859,36 @@
 </file>
 
 <file path=ppt/slides/slide3.xml><?xml version="1.0" encoding="utf-8"?>
+<p:sld xmlns:a="http://schemas.openxmlformats.org/drawingml/2006/main" xmlns:r="http://schemas.openxmlformats.org/officeDocument/2006/relationships" xmlns:p="http://schemas.openxmlformats.org/presentationml/2006/main">
+  <p:cSld>
+    <p:spTree>
+      <p:nvGrpSpPr>
+        <p:cNvPr id="1" name=""/>
+        <p:cNvGrpSpPr/>
+        <p:nvPr/>
+      </p:nvGrpSpPr>
+      <p:grpSpPr>
+        <a:xfrm>
+          <a:off x="0" y="0"/>
+          <a:ext cx="0" cy="0"/>
+          <a:chOff x="0" y="0"/>
+          <a:chExt cx="0" cy="0"/>
+        </a:xfrm>
+      </p:grpSpPr>
+    </p:spTree>
+    <p:extLst>
+      <p:ext uri="{BB962C8B-B14F-4D97-AF65-F5344CB8AC3E}">
+        <p14:creationId xmlns:p14="http://schemas.microsoft.com/office/powerpoint/2010/main" val="1398553799"/>
+      </p:ext>
+    </p:extLst>
+  </p:cSld>
+  <p:clrMapOvr>
+    <a:masterClrMapping/>
+  </p:clrMapOvr>
+</p:sld>
+</file>
+
+<file path=ppt/slides/slide4.xml><?xml version="1.0" encoding="utf-8"?>
 <p:sld xmlns:a="http://schemas.openxmlformats.org/drawingml/2006/main" xmlns:r="http://schemas.openxmlformats.org/officeDocument/2006/relationships" xmlns:p="http://schemas.openxmlformats.org/presentationml/2006/main">
   <p:cSld>
     <p:spTree>
@@ -3307,192 +4041,6 @@
 </p:sld>
 </file>
 
-<file path=ppt/slides/slide4.xml><?xml version="1.0" encoding="utf-8"?>
-<p:sld xmlns:a="http://schemas.openxmlformats.org/drawingml/2006/main" xmlns:r="http://schemas.openxmlformats.org/officeDocument/2006/relationships" xmlns:p="http://schemas.openxmlformats.org/presentationml/2006/main">
-  <p:cSld>
-    <p:spTree>
-      <p:nvGrpSpPr>
-        <p:cNvPr id="1" name=""/>
-        <p:cNvGrpSpPr/>
-        <p:nvPr/>
-      </p:nvGrpSpPr>
-      <p:grpSpPr>
-        <a:xfrm>
-          <a:off x="0" y="0"/>
-          <a:ext cx="0" cy="0"/>
-          <a:chOff x="0" y="0"/>
-          <a:chExt cx="0" cy="0"/>
-        </a:xfrm>
-      </p:grpSpPr>
-      <p:sp>
-        <p:nvSpPr>
-          <p:cNvPr id="2" name="标题 1"/>
-          <p:cNvSpPr>
-            <a:spLocks noGrp="1"/>
-          </p:cNvSpPr>
-          <p:nvPr>
-            <p:ph type="title"/>
-          </p:nvPr>
-        </p:nvSpPr>
-        <p:spPr/>
-        <p:txBody>
-          <a:bodyPr/>
-          <a:lstStyle/>
-          <a:p>
-            <a:r>
-              <a:rPr lang="en-US" altLang="zh-CN" dirty="0" smtClean="0"/>
-              <a:t>VTK </a:t>
-            </a:r>
-            <a:r>
-              <a:rPr lang="zh-CN" altLang="en-US" dirty="0" smtClean="0"/>
-              <a:t>数据结构</a:t>
-            </a:r>
-            <a:endParaRPr lang="zh-CN" altLang="en-US" dirty="0"/>
-          </a:p>
-        </p:txBody>
-      </p:sp>
-      <p:sp>
-        <p:nvSpPr>
-          <p:cNvPr id="3" name="内容占位符 2"/>
-          <p:cNvSpPr>
-            <a:spLocks noGrp="1"/>
-          </p:cNvSpPr>
-          <p:nvPr>
-            <p:ph idx="1"/>
-          </p:nvPr>
-        </p:nvSpPr>
-        <p:spPr/>
-        <p:txBody>
-          <a:bodyPr/>
-          <a:lstStyle/>
-          <a:p>
-            <a:pPr marL="0" indent="0">
-              <a:buNone/>
-            </a:pPr>
-            <a:r>
-              <a:rPr lang="zh-CN" altLang="en-US" dirty="0" smtClean="0"/>
-              <a:t>特点：</a:t>
-            </a:r>
-            <a:endParaRPr lang="en-US" altLang="zh-CN" dirty="0" smtClean="0"/>
-          </a:p>
-          <a:p>
-            <a:pPr marL="0" indent="0">
-              <a:buNone/>
-            </a:pPr>
-            <a:r>
-              <a:rPr lang="en-US" altLang="zh-CN" dirty="0" smtClean="0"/>
-              <a:t>1</a:t>
-            </a:r>
-            <a:r>
-              <a:rPr lang="zh-CN" altLang="en-US" dirty="0" smtClean="0"/>
-              <a:t>、离散化</a:t>
-            </a:r>
-            <a:endParaRPr lang="en-US" altLang="zh-CN" dirty="0" smtClean="0"/>
-          </a:p>
-          <a:p>
-            <a:pPr marL="0" indent="0">
-              <a:buNone/>
-            </a:pPr>
-            <a:endParaRPr lang="en-US" altLang="zh-CN" dirty="0" smtClean="0"/>
-          </a:p>
-          <a:p>
-            <a:pPr marL="0" indent="0">
-              <a:buNone/>
-            </a:pPr>
-            <a:r>
-              <a:rPr lang="en-US" altLang="zh-CN" dirty="0" smtClean="0"/>
-              <a:t>2</a:t>
-            </a:r>
-            <a:r>
-              <a:rPr lang="zh-CN" altLang="en-US" dirty="0" smtClean="0"/>
-              <a:t>、规则</a:t>
-            </a:r>
-            <a:r>
-              <a:rPr lang="en-US" altLang="zh-CN" dirty="0"/>
-              <a:t>(Regular)</a:t>
-            </a:r>
-            <a:r>
-              <a:rPr lang="zh-CN" altLang="en-US" dirty="0"/>
-              <a:t>和不规则</a:t>
-            </a:r>
-            <a:r>
-              <a:rPr lang="en-US" altLang="zh-CN" dirty="0"/>
-              <a:t>(Irregular)</a:t>
-            </a:r>
-            <a:r>
-              <a:rPr lang="zh-CN" altLang="en-US" dirty="0"/>
-              <a:t>或者说结构化</a:t>
-            </a:r>
-            <a:r>
-              <a:rPr lang="en-US" altLang="zh-CN" dirty="0"/>
-              <a:t>(Structured)</a:t>
-            </a:r>
-            <a:r>
-              <a:rPr lang="zh-CN" altLang="en-US" dirty="0"/>
-              <a:t>和非结构化</a:t>
-            </a:r>
-            <a:r>
-              <a:rPr lang="en-US" altLang="zh-CN" dirty="0"/>
-              <a:t>(Unstructured</a:t>
-            </a:r>
-            <a:r>
-              <a:rPr lang="en-US" altLang="zh-CN" dirty="0" smtClean="0"/>
-              <a:t>)</a:t>
-            </a:r>
-          </a:p>
-          <a:p>
-            <a:pPr marL="0" indent="0">
-              <a:buNone/>
-            </a:pPr>
-            <a:endParaRPr lang="en-US" altLang="zh-CN" dirty="0"/>
-          </a:p>
-          <a:p>
-            <a:pPr marL="0" indent="0">
-              <a:buNone/>
-            </a:pPr>
-            <a:r>
-              <a:rPr lang="en-US" altLang="zh-CN" dirty="0" smtClean="0"/>
-              <a:t>3</a:t>
-            </a:r>
-            <a:r>
-              <a:rPr lang="zh-CN" altLang="en-US" dirty="0" smtClean="0"/>
-              <a:t>、数据维度</a:t>
-            </a:r>
-            <a:endParaRPr lang="en-US" altLang="zh-CN" dirty="0" smtClean="0"/>
-          </a:p>
-          <a:p>
-            <a:pPr marL="0" indent="0">
-              <a:buNone/>
-            </a:pPr>
-            <a:endParaRPr lang="en-US" altLang="zh-CN" dirty="0" smtClean="0"/>
-          </a:p>
-          <a:p>
-            <a:pPr marL="0" indent="0">
-              <a:buNone/>
-            </a:pPr>
-            <a:endParaRPr lang="en-US" altLang="zh-CN" dirty="0"/>
-          </a:p>
-          <a:p>
-            <a:pPr marL="0" indent="0">
-              <a:buNone/>
-            </a:pPr>
-            <a:endParaRPr lang="zh-CN" altLang="en-US" dirty="0"/>
-          </a:p>
-        </p:txBody>
-      </p:sp>
-    </p:spTree>
-    <p:extLst>
-      <p:ext uri="{BB962C8B-B14F-4D97-AF65-F5344CB8AC3E}">
-        <p14:creationId xmlns:p14="http://schemas.microsoft.com/office/powerpoint/2010/main" val="1352470279"/>
-      </p:ext>
-    </p:extLst>
-  </p:cSld>
-  <p:clrMapOvr>
-    <a:masterClrMapping/>
-  </p:clrMapOvr>
-</p:sld>
-</file>
-
 <file path=ppt/slides/slide5.xml><?xml version="1.0" encoding="utf-8"?>
 <p:sld xmlns:a="http://schemas.openxmlformats.org/drawingml/2006/main" xmlns:r="http://schemas.openxmlformats.org/officeDocument/2006/relationships" xmlns:p="http://schemas.openxmlformats.org/presentationml/2006/main">
   <p:cSld>
@@ -3579,6 +4127,38 @@
           </a:p>
         </p:txBody>
       </p:sp>
+      <p:sp>
+        <p:nvSpPr>
+          <p:cNvPr id="5" name="标题 1"/>
+          <p:cNvSpPr>
+            <a:spLocks noGrp="1"/>
+          </p:cNvSpPr>
+          <p:nvPr>
+            <p:ph type="title"/>
+          </p:nvPr>
+        </p:nvSpPr>
+        <p:spPr>
+          <a:xfrm>
+            <a:off x="0" y="0"/>
+            <a:ext cx="10515600" cy="1325563"/>
+          </a:xfrm>
+        </p:spPr>
+        <p:txBody>
+          <a:bodyPr/>
+          <a:lstStyle/>
+          <a:p>
+            <a:r>
+              <a:rPr lang="en-US" altLang="zh-CN" dirty="0" smtClean="0"/>
+              <a:t>VTK </a:t>
+            </a:r>
+            <a:r>
+              <a:rPr lang="zh-CN" altLang="en-US" dirty="0" smtClean="0"/>
+              <a:t>结构对象</a:t>
+            </a:r>
+            <a:endParaRPr lang="zh-CN" altLang="en-US" dirty="0"/>
+          </a:p>
+        </p:txBody>
+      </p:sp>
     </p:spTree>
     <p:extLst>
       <p:ext uri="{BB962C8B-B14F-4D97-AF65-F5344CB8AC3E}">
@@ -3593,6 +4173,435 @@
 </file>
 
 <file path=ppt/slides/slide6.xml><?xml version="1.0" encoding="utf-8"?>
+<p:sld xmlns:a="http://schemas.openxmlformats.org/drawingml/2006/main" xmlns:r="http://schemas.openxmlformats.org/officeDocument/2006/relationships" xmlns:p="http://schemas.openxmlformats.org/presentationml/2006/main">
+  <p:cSld>
+    <p:spTree>
+      <p:nvGrpSpPr>
+        <p:cNvPr id="1" name=""/>
+        <p:cNvGrpSpPr/>
+        <p:nvPr/>
+      </p:nvGrpSpPr>
+      <p:grpSpPr>
+        <a:xfrm>
+          <a:off x="0" y="0"/>
+          <a:ext cx="0" cy="0"/>
+          <a:chOff x="0" y="0"/>
+          <a:chExt cx="0" cy="0"/>
+        </a:xfrm>
+      </p:grpSpPr>
+      <p:sp>
+        <p:nvSpPr>
+          <p:cNvPr id="2" name="标题 1"/>
+          <p:cNvSpPr>
+            <a:spLocks noGrp="1"/>
+          </p:cNvSpPr>
+          <p:nvPr>
+            <p:ph type="title"/>
+          </p:nvPr>
+        </p:nvSpPr>
+        <p:spPr>
+          <a:xfrm>
+            <a:off x="0" y="0"/>
+            <a:ext cx="10515600" cy="1325563"/>
+          </a:xfrm>
+        </p:spPr>
+        <p:txBody>
+          <a:bodyPr/>
+          <a:lstStyle/>
+          <a:p>
+            <a:r>
+              <a:rPr lang="en-US" altLang="zh-CN" dirty="0" smtClean="0"/>
+              <a:t>VTK </a:t>
+            </a:r>
+            <a:r>
+              <a:rPr lang="zh-CN" altLang="en-US" dirty="0" smtClean="0"/>
+              <a:t>点集对象</a:t>
+            </a:r>
+            <a:endParaRPr lang="zh-CN" altLang="en-US" dirty="0"/>
+          </a:p>
+        </p:txBody>
+      </p:sp>
+      <p:pic>
+        <p:nvPicPr>
+          <p:cNvPr id="1026" name="Picture 2" descr="http://img.blog.csdn.net/20161103220156316"/>
+          <p:cNvPicPr>
+            <a:picLocks noChangeAspect="1" noChangeArrowheads="1"/>
+          </p:cNvPicPr>
+          <p:nvPr/>
+        </p:nvPicPr>
+        <p:blipFill rotWithShape="1">
+          <a:blip r:embed="rId2">
+            <a:extLst>
+              <a:ext uri="{28A0092B-C50C-407E-A947-70E740481C1C}">
+                <a14:useLocalDpi xmlns:a14="http://schemas.microsoft.com/office/drawing/2010/main" val="0"/>
+              </a:ext>
+            </a:extLst>
+          </a:blip>
+          <a:srcRect b="40931"/>
+          <a:stretch/>
+        </p:blipFill>
+        <p:spPr bwMode="auto">
+          <a:xfrm>
+            <a:off x="579408" y="2104936"/>
+            <a:ext cx="5715000" cy="3769653"/>
+          </a:xfrm>
+          <a:prstGeom prst="rect">
+            <a:avLst/>
+          </a:prstGeom>
+          <a:noFill/>
+          <a:extLst>
+            <a:ext uri="{909E8E84-426E-40DD-AFC4-6F175D3DCCD1}">
+              <a14:hiddenFill xmlns:a14="http://schemas.microsoft.com/office/drawing/2010/main">
+                <a:solidFill>
+                  <a:srgbClr val="FFFFFF"/>
+                </a:solidFill>
+              </a14:hiddenFill>
+            </a:ext>
+          </a:extLst>
+        </p:spPr>
+      </p:pic>
+      <p:pic>
+        <p:nvPicPr>
+          <p:cNvPr id="1028" name="Picture 4" descr="http://img.blog.csdn.net/20161103220156316"/>
+          <p:cNvPicPr>
+            <a:picLocks noChangeAspect="1" noChangeArrowheads="1"/>
+          </p:cNvPicPr>
+          <p:nvPr/>
+        </p:nvPicPr>
+        <p:blipFill rotWithShape="1">
+          <a:blip r:embed="rId2">
+            <a:extLst>
+              <a:ext uri="{28A0092B-C50C-407E-A947-70E740481C1C}">
+                <a14:useLocalDpi xmlns:a14="http://schemas.microsoft.com/office/drawing/2010/main" val="0"/>
+              </a:ext>
+            </a:extLst>
+          </a:blip>
+          <a:srcRect l="1861" t="57176" r="8327" b="5246"/>
+          <a:stretch/>
+        </p:blipFill>
+        <p:spPr bwMode="auto">
+          <a:xfrm>
+            <a:off x="6694102" y="3329794"/>
+            <a:ext cx="5132717" cy="2398145"/>
+          </a:xfrm>
+          <a:prstGeom prst="rect">
+            <a:avLst/>
+          </a:prstGeom>
+          <a:noFill/>
+          <a:extLst>
+            <a:ext uri="{909E8E84-426E-40DD-AFC4-6F175D3DCCD1}">
+              <a14:hiddenFill xmlns:a14="http://schemas.microsoft.com/office/drawing/2010/main">
+                <a:solidFill>
+                  <a:srgbClr val="FFFFFF"/>
+                </a:solidFill>
+              </a14:hiddenFill>
+            </a:ext>
+          </a:extLst>
+        </p:spPr>
+      </p:pic>
+    </p:spTree>
+    <p:extLst>
+      <p:ext uri="{BB962C8B-B14F-4D97-AF65-F5344CB8AC3E}">
+        <p14:creationId xmlns:p14="http://schemas.microsoft.com/office/powerpoint/2010/main" val="2262967650"/>
+      </p:ext>
+    </p:extLst>
+  </p:cSld>
+  <p:clrMapOvr>
+    <a:masterClrMapping/>
+  </p:clrMapOvr>
+</p:sld>
+</file>
+
+<file path=ppt/slides/slide7.xml><?xml version="1.0" encoding="utf-8"?>
+<p:sld xmlns:a="http://schemas.openxmlformats.org/drawingml/2006/main" xmlns:r="http://schemas.openxmlformats.org/officeDocument/2006/relationships" xmlns:p="http://schemas.openxmlformats.org/presentationml/2006/main">
+  <p:cSld>
+    <p:spTree>
+      <p:nvGrpSpPr>
+        <p:cNvPr id="1" name=""/>
+        <p:cNvGrpSpPr/>
+        <p:nvPr/>
+      </p:nvGrpSpPr>
+      <p:grpSpPr>
+        <a:xfrm>
+          <a:off x="0" y="0"/>
+          <a:ext cx="0" cy="0"/>
+          <a:chOff x="0" y="0"/>
+          <a:chExt cx="0" cy="0"/>
+        </a:xfrm>
+      </p:grpSpPr>
+      <p:pic>
+        <p:nvPicPr>
+          <p:cNvPr id="2050" name="Picture 2" descr="http://img.blog.csdn.net/20161103220540905"/>
+          <p:cNvPicPr>
+            <a:picLocks noChangeAspect="1" noChangeArrowheads="1"/>
+          </p:cNvPicPr>
+          <p:nvPr/>
+        </p:nvPicPr>
+        <p:blipFill>
+          <a:blip r:embed="rId2">
+            <a:extLst>
+              <a:ext uri="{28A0092B-C50C-407E-A947-70E740481C1C}">
+                <a14:useLocalDpi xmlns:a14="http://schemas.microsoft.com/office/drawing/2010/main" val="0"/>
+              </a:ext>
+            </a:extLst>
+          </a:blip>
+          <a:srcRect/>
+          <a:stretch>
+            <a:fillRect/>
+          </a:stretch>
+        </p:blipFill>
+        <p:spPr bwMode="auto">
+          <a:xfrm>
+            <a:off x="517884" y="1250830"/>
+            <a:ext cx="10196124" cy="5332892"/>
+          </a:xfrm>
+          <a:prstGeom prst="rect">
+            <a:avLst/>
+          </a:prstGeom>
+          <a:noFill/>
+          <a:extLst>
+            <a:ext uri="{909E8E84-426E-40DD-AFC4-6F175D3DCCD1}">
+              <a14:hiddenFill xmlns:a14="http://schemas.microsoft.com/office/drawing/2010/main">
+                <a:solidFill>
+                  <a:srgbClr val="FFFFFF"/>
+                </a:solidFill>
+              </a14:hiddenFill>
+            </a:ext>
+          </a:extLst>
+        </p:spPr>
+      </p:pic>
+      <p:sp>
+        <p:nvSpPr>
+          <p:cNvPr id="7" name="标题 1"/>
+          <p:cNvSpPr>
+            <a:spLocks noGrp="1"/>
+          </p:cNvSpPr>
+          <p:nvPr>
+            <p:ph type="title"/>
+          </p:nvPr>
+        </p:nvSpPr>
+        <p:spPr>
+          <a:xfrm>
+            <a:off x="0" y="0"/>
+            <a:ext cx="10515600" cy="1325563"/>
+          </a:xfrm>
+        </p:spPr>
+        <p:txBody>
+          <a:bodyPr/>
+          <a:lstStyle/>
+          <a:p>
+            <a:r>
+              <a:rPr lang="en-US" altLang="zh-CN" dirty="0" smtClean="0"/>
+              <a:t>VTK </a:t>
+            </a:r>
+            <a:r>
+              <a:rPr lang="en-US" altLang="zh-CN" dirty="0" err="1" smtClean="0"/>
+              <a:t>PipeLine</a:t>
+            </a:r>
+            <a:endParaRPr lang="zh-CN" altLang="en-US" dirty="0"/>
+          </a:p>
+        </p:txBody>
+      </p:sp>
+    </p:spTree>
+    <p:extLst>
+      <p:ext uri="{BB962C8B-B14F-4D97-AF65-F5344CB8AC3E}">
+        <p14:creationId xmlns:p14="http://schemas.microsoft.com/office/powerpoint/2010/main" val="363450636"/>
+      </p:ext>
+    </p:extLst>
+  </p:cSld>
+  <p:clrMapOvr>
+    <a:masterClrMapping/>
+  </p:clrMapOvr>
+</p:sld>
+</file>
+
+<file path=ppt/slides/slide8.xml><?xml version="1.0" encoding="utf-8"?>
+<p:sld xmlns:a="http://schemas.openxmlformats.org/drawingml/2006/main" xmlns:r="http://schemas.openxmlformats.org/officeDocument/2006/relationships" xmlns:p="http://schemas.openxmlformats.org/presentationml/2006/main">
+  <p:cSld>
+    <p:spTree>
+      <p:nvGrpSpPr>
+        <p:cNvPr id="1" name=""/>
+        <p:cNvGrpSpPr/>
+        <p:nvPr/>
+      </p:nvGrpSpPr>
+      <p:grpSpPr>
+        <a:xfrm>
+          <a:off x="0" y="0"/>
+          <a:ext cx="0" cy="0"/>
+          <a:chOff x="0" y="0"/>
+          <a:chExt cx="0" cy="0"/>
+        </a:xfrm>
+      </p:grpSpPr>
+      <p:sp>
+        <p:nvSpPr>
+          <p:cNvPr id="2" name="标题 1"/>
+          <p:cNvSpPr>
+            <a:spLocks noGrp="1"/>
+          </p:cNvSpPr>
+          <p:nvPr>
+            <p:ph type="title"/>
+          </p:nvPr>
+        </p:nvSpPr>
+        <p:spPr/>
+        <p:txBody>
+          <a:bodyPr/>
+          <a:lstStyle/>
+          <a:p>
+            <a:r>
+              <a:rPr lang="en-US" altLang="zh-CN" dirty="0" smtClean="0"/>
+              <a:t>VTK </a:t>
+            </a:r>
+            <a:r>
+              <a:rPr lang="zh-CN" altLang="en-US" dirty="0" smtClean="0"/>
+              <a:t>数据结构</a:t>
+            </a:r>
+            <a:endParaRPr lang="zh-CN" altLang="en-US" dirty="0"/>
+          </a:p>
+        </p:txBody>
+      </p:sp>
+      <p:sp>
+        <p:nvSpPr>
+          <p:cNvPr id="3" name="内容占位符 2"/>
+          <p:cNvSpPr>
+            <a:spLocks noGrp="1"/>
+          </p:cNvSpPr>
+          <p:nvPr>
+            <p:ph idx="1"/>
+          </p:nvPr>
+        </p:nvSpPr>
+        <p:spPr/>
+        <p:txBody>
+          <a:bodyPr/>
+          <a:lstStyle/>
+          <a:p>
+            <a:pPr marL="0" indent="0">
+              <a:buNone/>
+            </a:pPr>
+            <a:r>
+              <a:rPr lang="zh-CN" altLang="en-US" dirty="0" smtClean="0"/>
+              <a:t>特点：</a:t>
+            </a:r>
+            <a:endParaRPr lang="en-US" altLang="zh-CN" dirty="0" smtClean="0"/>
+          </a:p>
+          <a:p>
+            <a:pPr marL="0" indent="0">
+              <a:buNone/>
+            </a:pPr>
+            <a:r>
+              <a:rPr lang="en-US" altLang="zh-CN" dirty="0" smtClean="0"/>
+              <a:t>1</a:t>
+            </a:r>
+            <a:r>
+              <a:rPr lang="zh-CN" altLang="en-US" dirty="0" smtClean="0"/>
+              <a:t>、离散化</a:t>
+            </a:r>
+            <a:endParaRPr lang="en-US" altLang="zh-CN" dirty="0" smtClean="0"/>
+          </a:p>
+          <a:p>
+            <a:pPr marL="0" indent="0">
+              <a:buNone/>
+            </a:pPr>
+            <a:endParaRPr lang="en-US" altLang="zh-CN" dirty="0" smtClean="0"/>
+          </a:p>
+          <a:p>
+            <a:pPr marL="0" indent="0">
+              <a:buNone/>
+            </a:pPr>
+            <a:r>
+              <a:rPr lang="en-US" altLang="zh-CN" dirty="0" smtClean="0"/>
+              <a:t>2</a:t>
+            </a:r>
+            <a:r>
+              <a:rPr lang="zh-CN" altLang="en-US" dirty="0" smtClean="0"/>
+              <a:t>、规则</a:t>
+            </a:r>
+            <a:r>
+              <a:rPr lang="en-US" altLang="zh-CN" dirty="0"/>
+              <a:t>(Regular)</a:t>
+            </a:r>
+            <a:r>
+              <a:rPr lang="zh-CN" altLang="en-US" dirty="0"/>
+              <a:t>和不规则</a:t>
+            </a:r>
+            <a:r>
+              <a:rPr lang="en-US" altLang="zh-CN" dirty="0"/>
+              <a:t>(Irregular)</a:t>
+            </a:r>
+            <a:r>
+              <a:rPr lang="zh-CN" altLang="en-US" dirty="0"/>
+              <a:t>或者说结构化</a:t>
+            </a:r>
+            <a:r>
+              <a:rPr lang="en-US" altLang="zh-CN" dirty="0"/>
+              <a:t>(Structured)</a:t>
+            </a:r>
+            <a:r>
+              <a:rPr lang="zh-CN" altLang="en-US" dirty="0"/>
+              <a:t>和非结构化</a:t>
+            </a:r>
+            <a:r>
+              <a:rPr lang="en-US" altLang="zh-CN" dirty="0"/>
+              <a:t>(Unstructured</a:t>
+            </a:r>
+            <a:r>
+              <a:rPr lang="en-US" altLang="zh-CN" dirty="0" smtClean="0"/>
+              <a:t>)</a:t>
+            </a:r>
+          </a:p>
+          <a:p>
+            <a:pPr marL="0" indent="0">
+              <a:buNone/>
+            </a:pPr>
+            <a:endParaRPr lang="en-US" altLang="zh-CN" dirty="0"/>
+          </a:p>
+          <a:p>
+            <a:pPr marL="0" indent="0">
+              <a:buNone/>
+            </a:pPr>
+            <a:r>
+              <a:rPr lang="en-US" altLang="zh-CN" dirty="0" smtClean="0"/>
+              <a:t>3</a:t>
+            </a:r>
+            <a:r>
+              <a:rPr lang="zh-CN" altLang="en-US" dirty="0" smtClean="0"/>
+              <a:t>、数据维度</a:t>
+            </a:r>
+            <a:endParaRPr lang="en-US" altLang="zh-CN" dirty="0" smtClean="0"/>
+          </a:p>
+          <a:p>
+            <a:pPr marL="0" indent="0">
+              <a:buNone/>
+            </a:pPr>
+            <a:endParaRPr lang="en-US" altLang="zh-CN" dirty="0" smtClean="0"/>
+          </a:p>
+          <a:p>
+            <a:pPr marL="0" indent="0">
+              <a:buNone/>
+            </a:pPr>
+            <a:endParaRPr lang="en-US" altLang="zh-CN" dirty="0"/>
+          </a:p>
+          <a:p>
+            <a:pPr marL="0" indent="0">
+              <a:buNone/>
+            </a:pPr>
+            <a:endParaRPr lang="zh-CN" altLang="en-US" dirty="0"/>
+          </a:p>
+        </p:txBody>
+      </p:sp>
+    </p:spTree>
+    <p:extLst>
+      <p:ext uri="{BB962C8B-B14F-4D97-AF65-F5344CB8AC3E}">
+        <p14:creationId xmlns:p14="http://schemas.microsoft.com/office/powerpoint/2010/main" val="1352470279"/>
+      </p:ext>
+    </p:extLst>
+  </p:cSld>
+  <p:clrMapOvr>
+    <a:masterClrMapping/>
+  </p:clrMapOvr>
+</p:sld>
+</file>
+
+<file path=ppt/slides/slide9.xml><?xml version="1.0" encoding="utf-8"?>
 <p:sld xmlns:a="http://schemas.openxmlformats.org/drawingml/2006/main" xmlns:r="http://schemas.openxmlformats.org/officeDocument/2006/relationships" xmlns:p="http://schemas.openxmlformats.org/presentationml/2006/main">
   <p:cSld>
     <p:spTree>
@@ -3694,668 +4703,6 @@
     <p:extLst>
       <p:ext uri="{BB962C8B-B14F-4D97-AF65-F5344CB8AC3E}">
         <p14:creationId xmlns:p14="http://schemas.microsoft.com/office/powerpoint/2010/main" val="2052011876"/>
-      </p:ext>
-    </p:extLst>
-  </p:cSld>
-  <p:clrMapOvr>
-    <a:masterClrMapping/>
-  </p:clrMapOvr>
-</p:sld>
-</file>
-
-<file path=ppt/slides/slide7.xml><?xml version="1.0" encoding="utf-8"?>
-<p:sld xmlns:a="http://schemas.openxmlformats.org/drawingml/2006/main" xmlns:r="http://schemas.openxmlformats.org/officeDocument/2006/relationships" xmlns:p="http://schemas.openxmlformats.org/presentationml/2006/main">
-  <p:cSld>
-    <p:spTree>
-      <p:nvGrpSpPr>
-        <p:cNvPr id="1" name=""/>
-        <p:cNvGrpSpPr/>
-        <p:nvPr/>
-      </p:nvGrpSpPr>
-      <p:grpSpPr>
-        <a:xfrm>
-          <a:off x="0" y="0"/>
-          <a:ext cx="0" cy="0"/>
-          <a:chOff x="0" y="0"/>
-          <a:chExt cx="0" cy="0"/>
-        </a:xfrm>
-      </p:grpSpPr>
-      <p:pic>
-        <p:nvPicPr>
-          <p:cNvPr id="4" name="图片 3"/>
-          <p:cNvPicPr>
-            <a:picLocks noChangeAspect="1"/>
-          </p:cNvPicPr>
-          <p:nvPr/>
-        </p:nvPicPr>
-        <p:blipFill>
-          <a:blip r:embed="rId2">
-            <a:extLst>
-              <a:ext uri="{28A0092B-C50C-407E-A947-70E740481C1C}">
-                <a14:useLocalDpi xmlns:a14="http://schemas.microsoft.com/office/drawing/2010/main" val="0"/>
-              </a:ext>
-            </a:extLst>
-          </a:blip>
-          <a:stretch>
-            <a:fillRect/>
-          </a:stretch>
-        </p:blipFill>
-        <p:spPr>
-          <a:xfrm>
-            <a:off x="254824" y="439947"/>
-            <a:ext cx="11803122" cy="5503653"/>
-          </a:xfrm>
-          <a:prstGeom prst="rect">
-            <a:avLst/>
-          </a:prstGeom>
-        </p:spPr>
-      </p:pic>
-      <p:sp>
-        <p:nvSpPr>
-          <p:cNvPr id="5" name="矩形 4"/>
-          <p:cNvSpPr/>
-          <p:nvPr/>
-        </p:nvSpPr>
-        <p:spPr>
-          <a:xfrm>
-            <a:off x="9468177" y="6488668"/>
-            <a:ext cx="2723823" cy="369332"/>
-          </a:xfrm>
-          <a:prstGeom prst="rect">
-            <a:avLst/>
-          </a:prstGeom>
-        </p:spPr>
-        <p:txBody>
-          <a:bodyPr wrap="none">
-            <a:spAutoFit/>
-          </a:bodyPr>
-          <a:lstStyle/>
-          <a:p>
-            <a:r>
-              <a:rPr lang="zh-CN" altLang="en-US" dirty="0">
-                <a:solidFill>
-                  <a:srgbClr val="454545"/>
-                </a:solidFill>
-                <a:latin typeface="PingFang SC"/>
-              </a:rPr>
-              <a:t>体绘制</a:t>
-            </a:r>
-            <a:r>
-              <a:rPr lang="zh-CN" altLang="en-US" dirty="0" smtClean="0">
-                <a:solidFill>
-                  <a:srgbClr val="454545"/>
-                </a:solidFill>
-                <a:latin typeface="PingFang SC"/>
-              </a:rPr>
-              <a:t>渲染</a:t>
-            </a:r>
-            <a:r>
-              <a:rPr lang="en-US" altLang="zh-CN" dirty="0" err="1" smtClean="0">
-                <a:solidFill>
-                  <a:srgbClr val="454545"/>
-                </a:solidFill>
-                <a:latin typeface="PingFang SC"/>
-              </a:rPr>
-              <a:t>VolumeMapper</a:t>
-            </a:r>
-            <a:endParaRPr lang="zh-CN" altLang="en-US" dirty="0"/>
-          </a:p>
-        </p:txBody>
-      </p:sp>
-      <p:sp>
-        <p:nvSpPr>
-          <p:cNvPr id="6" name="圆角矩形 5"/>
-          <p:cNvSpPr/>
-          <p:nvPr/>
-        </p:nvSpPr>
-        <p:spPr>
-          <a:xfrm>
-            <a:off x="3640347" y="3545457"/>
-            <a:ext cx="5650302" cy="828135"/>
-          </a:xfrm>
-          <a:prstGeom prst="roundRect">
-            <a:avLst/>
-          </a:prstGeom>
-          <a:noFill/>
-          <a:ln w="57150">
-            <a:solidFill>
-              <a:schemeClr val="accent1">
-                <a:lumMod val="75000"/>
-              </a:schemeClr>
-            </a:solidFill>
-          </a:ln>
-        </p:spPr>
-        <p:style>
-          <a:lnRef idx="2">
-            <a:schemeClr val="accent1">
-              <a:shade val="50000"/>
-            </a:schemeClr>
-          </a:lnRef>
-          <a:fillRef idx="1">
-            <a:schemeClr val="accent1"/>
-          </a:fillRef>
-          <a:effectRef idx="0">
-            <a:schemeClr val="accent1"/>
-          </a:effectRef>
-          <a:fontRef idx="minor">
-            <a:schemeClr val="lt1"/>
-          </a:fontRef>
-        </p:style>
-        <p:txBody>
-          <a:bodyPr rtlCol="0" anchor="ctr"/>
-          <a:lstStyle/>
-          <a:p>
-            <a:pPr algn="ctr"/>
-            <a:endParaRPr lang="zh-CN" altLang="en-US"/>
-          </a:p>
-        </p:txBody>
-      </p:sp>
-      <p:sp>
-        <p:nvSpPr>
-          <p:cNvPr id="7" name="矩形 6"/>
-          <p:cNvSpPr/>
-          <p:nvPr/>
-        </p:nvSpPr>
-        <p:spPr>
-          <a:xfrm>
-            <a:off x="8102327" y="3774858"/>
-            <a:ext cx="877163" cy="369332"/>
-          </a:xfrm>
-          <a:prstGeom prst="rect">
-            <a:avLst/>
-          </a:prstGeom>
-        </p:spPr>
-        <p:txBody>
-          <a:bodyPr wrap="none">
-            <a:spAutoFit/>
-          </a:bodyPr>
-          <a:lstStyle/>
-          <a:p>
-            <a:r>
-              <a:rPr lang="zh-CN" altLang="en-US" dirty="0" smtClean="0">
-                <a:solidFill>
-                  <a:srgbClr val="FF0000"/>
-                </a:solidFill>
-                <a:latin typeface="PingFang SC"/>
-              </a:rPr>
-              <a:t>被废弃</a:t>
-            </a:r>
-            <a:endParaRPr lang="zh-CN" altLang="en-US" dirty="0">
-              <a:solidFill>
-                <a:srgbClr val="FF0000"/>
-              </a:solidFill>
-            </a:endParaRPr>
-          </a:p>
-        </p:txBody>
-      </p:sp>
-      <p:sp>
-        <p:nvSpPr>
-          <p:cNvPr id="8" name="圆角矩形 7"/>
-          <p:cNvSpPr/>
-          <p:nvPr/>
-        </p:nvSpPr>
-        <p:spPr>
-          <a:xfrm>
-            <a:off x="3740990" y="1153064"/>
-            <a:ext cx="8265199" cy="828135"/>
-          </a:xfrm>
-          <a:prstGeom prst="roundRect">
-            <a:avLst/>
-          </a:prstGeom>
-          <a:noFill/>
-          <a:ln w="57150">
-            <a:solidFill>
-              <a:srgbClr val="C00000"/>
-            </a:solidFill>
-          </a:ln>
-        </p:spPr>
-        <p:style>
-          <a:lnRef idx="2">
-            <a:schemeClr val="accent1">
-              <a:shade val="50000"/>
-            </a:schemeClr>
-          </a:lnRef>
-          <a:fillRef idx="1">
-            <a:schemeClr val="accent1"/>
-          </a:fillRef>
-          <a:effectRef idx="0">
-            <a:schemeClr val="accent1"/>
-          </a:effectRef>
-          <a:fontRef idx="minor">
-            <a:schemeClr val="lt1"/>
-          </a:fontRef>
-        </p:style>
-        <p:txBody>
-          <a:bodyPr rtlCol="0" anchor="ctr"/>
-          <a:lstStyle/>
-          <a:p>
-            <a:pPr algn="ctr"/>
-            <a:endParaRPr lang="zh-CN" altLang="en-US"/>
-          </a:p>
-        </p:txBody>
-      </p:sp>
-      <p:sp>
-        <p:nvSpPr>
-          <p:cNvPr id="9" name="圆角矩形 8"/>
-          <p:cNvSpPr/>
-          <p:nvPr/>
-        </p:nvSpPr>
-        <p:spPr>
-          <a:xfrm>
-            <a:off x="3706485" y="324929"/>
-            <a:ext cx="8265199" cy="828135"/>
-          </a:xfrm>
-          <a:prstGeom prst="roundRect">
-            <a:avLst/>
-          </a:prstGeom>
-          <a:noFill/>
-          <a:ln w="57150">
-            <a:solidFill>
-              <a:srgbClr val="C00000"/>
-            </a:solidFill>
-          </a:ln>
-        </p:spPr>
-        <p:style>
-          <a:lnRef idx="2">
-            <a:schemeClr val="accent1">
-              <a:shade val="50000"/>
-            </a:schemeClr>
-          </a:lnRef>
-          <a:fillRef idx="1">
-            <a:schemeClr val="accent1"/>
-          </a:fillRef>
-          <a:effectRef idx="0">
-            <a:schemeClr val="accent1"/>
-          </a:effectRef>
-          <a:fontRef idx="minor">
-            <a:schemeClr val="lt1"/>
-          </a:fontRef>
-        </p:style>
-        <p:txBody>
-          <a:bodyPr rtlCol="0" anchor="ctr"/>
-          <a:lstStyle/>
-          <a:p>
-            <a:pPr algn="ctr"/>
-            <a:endParaRPr lang="zh-CN" altLang="en-US"/>
-          </a:p>
-        </p:txBody>
-      </p:sp>
-      <p:sp>
-        <p:nvSpPr>
-          <p:cNvPr id="11" name="矩形 10"/>
-          <p:cNvSpPr/>
-          <p:nvPr/>
-        </p:nvSpPr>
-        <p:spPr>
-          <a:xfrm>
-            <a:off x="8220223" y="606101"/>
-            <a:ext cx="2031325" cy="369332"/>
-          </a:xfrm>
-          <a:prstGeom prst="rect">
-            <a:avLst/>
-          </a:prstGeom>
-        </p:spPr>
-        <p:txBody>
-          <a:bodyPr wrap="none">
-            <a:spAutoFit/>
-          </a:bodyPr>
-          <a:lstStyle/>
-          <a:p>
-            <a:r>
-              <a:rPr lang="zh-CN" altLang="en-US" dirty="0" smtClean="0">
-                <a:solidFill>
-                  <a:srgbClr val="FF0000"/>
-                </a:solidFill>
-              </a:rPr>
-              <a:t>太慢了，不能使用</a:t>
-            </a:r>
-            <a:endParaRPr lang="zh-CN" altLang="en-US" dirty="0">
-              <a:solidFill>
-                <a:srgbClr val="FF0000"/>
-              </a:solidFill>
-            </a:endParaRPr>
-          </a:p>
-        </p:txBody>
-      </p:sp>
-    </p:spTree>
-    <p:extLst>
-      <p:ext uri="{BB962C8B-B14F-4D97-AF65-F5344CB8AC3E}">
-        <p14:creationId xmlns:p14="http://schemas.microsoft.com/office/powerpoint/2010/main" val="313429387"/>
-      </p:ext>
-    </p:extLst>
-  </p:cSld>
-  <p:clrMapOvr>
-    <a:masterClrMapping/>
-  </p:clrMapOvr>
-  <p:timing>
-    <p:tnLst>
-      <p:par>
-        <p:cTn id="1" dur="indefinite" restart="never" nodeType="tmRoot"/>
-      </p:par>
-    </p:tnLst>
-  </p:timing>
-</p:sld>
-</file>
-
-<file path=ppt/slides/slide8.xml><?xml version="1.0" encoding="utf-8"?>
-<p:sld xmlns:a="http://schemas.openxmlformats.org/drawingml/2006/main" xmlns:r="http://schemas.openxmlformats.org/officeDocument/2006/relationships" xmlns:p="http://schemas.openxmlformats.org/presentationml/2006/main">
-  <p:cSld>
-    <p:spTree>
-      <p:nvGrpSpPr>
-        <p:cNvPr id="1" name=""/>
-        <p:cNvGrpSpPr/>
-        <p:nvPr/>
-      </p:nvGrpSpPr>
-      <p:grpSpPr>
-        <a:xfrm>
-          <a:off x="0" y="0"/>
-          <a:ext cx="0" cy="0"/>
-          <a:chOff x="0" y="0"/>
-          <a:chExt cx="0" cy="0"/>
-        </a:xfrm>
-      </p:grpSpPr>
-      <p:sp>
-        <p:nvSpPr>
-          <p:cNvPr id="5" name="矩形 4"/>
-          <p:cNvSpPr/>
-          <p:nvPr/>
-        </p:nvSpPr>
-        <p:spPr>
-          <a:xfrm>
-            <a:off x="9687805" y="6488668"/>
-            <a:ext cx="2492990" cy="369332"/>
-          </a:xfrm>
-          <a:prstGeom prst="rect">
-            <a:avLst/>
-          </a:prstGeom>
-        </p:spPr>
-        <p:txBody>
-          <a:bodyPr wrap="none">
-            <a:spAutoFit/>
-          </a:bodyPr>
-          <a:lstStyle/>
-          <a:p>
-            <a:r>
-              <a:rPr lang="en-US" altLang="zh-CN" dirty="0" err="1" smtClean="0">
-                <a:solidFill>
-                  <a:srgbClr val="454545"/>
-                </a:solidFill>
-                <a:latin typeface="PingFang SC"/>
-              </a:rPr>
-              <a:t>VolumeMapper</a:t>
-            </a:r>
-            <a:r>
-              <a:rPr lang="zh-CN" altLang="en-US" dirty="0" smtClean="0">
-                <a:solidFill>
-                  <a:srgbClr val="454545"/>
-                </a:solidFill>
-                <a:latin typeface="PingFang SC"/>
-              </a:rPr>
-              <a:t>设置特性</a:t>
-            </a:r>
-            <a:endParaRPr lang="zh-CN" altLang="en-US" dirty="0"/>
-          </a:p>
-        </p:txBody>
-      </p:sp>
-      <p:sp>
-        <p:nvSpPr>
-          <p:cNvPr id="6" name="矩形 5"/>
-          <p:cNvSpPr/>
-          <p:nvPr/>
-        </p:nvSpPr>
-        <p:spPr>
-          <a:xfrm>
-            <a:off x="422693" y="335325"/>
-            <a:ext cx="11662914" cy="1200329"/>
-          </a:xfrm>
-          <a:prstGeom prst="rect">
-            <a:avLst/>
-          </a:prstGeom>
-        </p:spPr>
-        <p:txBody>
-          <a:bodyPr wrap="square">
-            <a:spAutoFit/>
-          </a:bodyPr>
-          <a:lstStyle/>
-          <a:p>
-            <a:r>
-              <a:rPr lang="en-US" altLang="zh-CN" dirty="0" smtClean="0">
-                <a:solidFill>
-                  <a:srgbClr val="008000"/>
-                </a:solidFill>
-                <a:latin typeface="新宋体" panose="02010609030101010101" pitchFamily="49" charset="-122"/>
-                <a:ea typeface="新宋体" panose="02010609030101010101" pitchFamily="49" charset="-122"/>
-              </a:rPr>
-              <a:t>//</a:t>
-            </a:r>
-            <a:r>
-              <a:rPr lang="zh-CN" altLang="en-US" dirty="0">
-                <a:solidFill>
-                  <a:srgbClr val="008000"/>
-                </a:solidFill>
-                <a:latin typeface="新宋体" panose="02010609030101010101" pitchFamily="49" charset="-122"/>
-                <a:ea typeface="新宋体" panose="02010609030101010101" pitchFamily="49" charset="-122"/>
-              </a:rPr>
-              <a:t>设置光线采样距离决定图像的精细程度</a:t>
-            </a:r>
-            <a:endParaRPr lang="zh-CN" altLang="en-US" dirty="0">
-              <a:solidFill>
-                <a:srgbClr val="000000"/>
-              </a:solidFill>
-              <a:latin typeface="新宋体" panose="02010609030101010101" pitchFamily="49" charset="-122"/>
-              <a:ea typeface="新宋体" panose="02010609030101010101" pitchFamily="49" charset="-122"/>
-            </a:endParaRPr>
-          </a:p>
-          <a:p>
-            <a:r>
-              <a:rPr lang="en-US" altLang="zh-CN" dirty="0" smtClean="0">
-                <a:solidFill>
-                  <a:srgbClr val="008000"/>
-                </a:solidFill>
-                <a:latin typeface="新宋体" panose="02010609030101010101" pitchFamily="49" charset="-122"/>
-                <a:ea typeface="新宋体" panose="02010609030101010101" pitchFamily="49" charset="-122"/>
-              </a:rPr>
-              <a:t>//</a:t>
-            </a:r>
-            <a:r>
-              <a:rPr lang="zh-CN" altLang="en-US" dirty="0">
-                <a:solidFill>
-                  <a:srgbClr val="008000"/>
-                </a:solidFill>
-                <a:latin typeface="新宋体" panose="02010609030101010101" pitchFamily="49" charset="-122"/>
-                <a:ea typeface="新宋体" panose="02010609030101010101" pitchFamily="49" charset="-122"/>
-              </a:rPr>
-              <a:t>投影光线上的采样点的步长</a:t>
-            </a:r>
-            <a:r>
-              <a:rPr lang="en-US" altLang="zh-CN" dirty="0">
-                <a:solidFill>
-                  <a:srgbClr val="008000"/>
-                </a:solidFill>
-                <a:latin typeface="新宋体" panose="02010609030101010101" pitchFamily="49" charset="-122"/>
-                <a:ea typeface="新宋体" panose="02010609030101010101" pitchFamily="49" charset="-122"/>
-              </a:rPr>
-              <a:t>(</a:t>
-            </a:r>
-            <a:r>
-              <a:rPr lang="zh-CN" altLang="en-US" dirty="0">
-                <a:solidFill>
-                  <a:srgbClr val="008000"/>
-                </a:solidFill>
-                <a:latin typeface="新宋体" panose="02010609030101010101" pitchFamily="49" charset="-122"/>
-                <a:ea typeface="新宋体" panose="02010609030101010101" pitchFamily="49" charset="-122"/>
-              </a:rPr>
-              <a:t>一条光线上采样点步长</a:t>
-            </a:r>
-            <a:r>
-              <a:rPr lang="en-US" altLang="zh-CN" dirty="0" smtClean="0">
-                <a:solidFill>
-                  <a:srgbClr val="008000"/>
-                </a:solidFill>
-                <a:latin typeface="新宋体" panose="02010609030101010101" pitchFamily="49" charset="-122"/>
-                <a:ea typeface="新宋体" panose="02010609030101010101" pitchFamily="49" charset="-122"/>
-              </a:rPr>
-              <a:t>)</a:t>
-            </a:r>
-            <a:r>
-              <a:rPr lang="zh-CN" altLang="en-US" dirty="0">
-                <a:solidFill>
-                  <a:srgbClr val="008000"/>
-                </a:solidFill>
-                <a:latin typeface="新宋体" panose="02010609030101010101" pitchFamily="49" charset="-122"/>
-                <a:ea typeface="新宋体" panose="02010609030101010101" pitchFamily="49" charset="-122"/>
-              </a:rPr>
-              <a:t> ，默认值</a:t>
-            </a:r>
-            <a:r>
-              <a:rPr lang="zh-CN" altLang="en-US" dirty="0" smtClean="0">
-                <a:solidFill>
-                  <a:srgbClr val="008000"/>
-                </a:solidFill>
-                <a:latin typeface="新宋体" panose="02010609030101010101" pitchFamily="49" charset="-122"/>
-                <a:ea typeface="新宋体" panose="02010609030101010101" pitchFamily="49" charset="-122"/>
-              </a:rPr>
-              <a:t>是</a:t>
-            </a:r>
-            <a:r>
-              <a:rPr lang="en-US" altLang="zh-CN" dirty="0" smtClean="0">
-                <a:solidFill>
-                  <a:srgbClr val="008000"/>
-                </a:solidFill>
-                <a:latin typeface="新宋体" panose="02010609030101010101" pitchFamily="49" charset="-122"/>
-                <a:ea typeface="新宋体" panose="02010609030101010101" pitchFamily="49" charset="-122"/>
-              </a:rPr>
-              <a:t>1</a:t>
-            </a:r>
-            <a:r>
-              <a:rPr lang="zh-CN" altLang="en-US" dirty="0" smtClean="0">
-                <a:solidFill>
-                  <a:srgbClr val="008000"/>
-                </a:solidFill>
-                <a:latin typeface="新宋体" panose="02010609030101010101" pitchFamily="49" charset="-122"/>
-                <a:ea typeface="新宋体" panose="02010609030101010101" pitchFamily="49" charset="-122"/>
-              </a:rPr>
-              <a:t>个体素</a:t>
-            </a:r>
-            <a:endParaRPr lang="zh-CN" altLang="en-US" dirty="0">
-              <a:solidFill>
-                <a:srgbClr val="000000"/>
-              </a:solidFill>
-              <a:latin typeface="新宋体" panose="02010609030101010101" pitchFamily="49" charset="-122"/>
-              <a:ea typeface="新宋体" panose="02010609030101010101" pitchFamily="49" charset="-122"/>
-            </a:endParaRPr>
-          </a:p>
-          <a:p>
-            <a:r>
-              <a:rPr lang="en-US" altLang="zh-CN" dirty="0" err="1" smtClean="0">
-                <a:solidFill>
-                  <a:srgbClr val="000000"/>
-                </a:solidFill>
-                <a:latin typeface="新宋体" panose="02010609030101010101" pitchFamily="49" charset="-122"/>
-                <a:ea typeface="新宋体" panose="02010609030101010101" pitchFamily="49" charset="-122"/>
-              </a:rPr>
-              <a:t>volumeMapper</a:t>
-            </a:r>
-            <a:r>
-              <a:rPr lang="en-US" altLang="zh-CN" dirty="0" smtClean="0">
-                <a:solidFill>
-                  <a:srgbClr val="008080"/>
-                </a:solidFill>
-                <a:latin typeface="新宋体" panose="02010609030101010101" pitchFamily="49" charset="-122"/>
-                <a:ea typeface="新宋体" panose="02010609030101010101" pitchFamily="49" charset="-122"/>
-              </a:rPr>
-              <a:t>-</a:t>
-            </a:r>
-            <a:r>
-              <a:rPr lang="en-US" altLang="zh-CN" dirty="0">
-                <a:solidFill>
-                  <a:srgbClr val="008080"/>
-                </a:solidFill>
-                <a:latin typeface="新宋体" panose="02010609030101010101" pitchFamily="49" charset="-122"/>
-                <a:ea typeface="新宋体" panose="02010609030101010101" pitchFamily="49" charset="-122"/>
-              </a:rPr>
-              <a:t>&gt;</a:t>
-            </a:r>
-            <a:r>
-              <a:rPr lang="en-US" altLang="zh-CN" dirty="0" err="1">
-                <a:solidFill>
-                  <a:srgbClr val="000000"/>
-                </a:solidFill>
-                <a:latin typeface="新宋体" panose="02010609030101010101" pitchFamily="49" charset="-122"/>
-                <a:ea typeface="新宋体" panose="02010609030101010101" pitchFamily="49" charset="-122"/>
-              </a:rPr>
-              <a:t>SetSampleDistance</a:t>
-            </a:r>
-            <a:r>
-              <a:rPr lang="en-US" altLang="zh-CN" dirty="0">
-                <a:solidFill>
-                  <a:srgbClr val="000000"/>
-                </a:solidFill>
-                <a:latin typeface="新宋体" panose="02010609030101010101" pitchFamily="49" charset="-122"/>
-                <a:ea typeface="新宋体" panose="02010609030101010101" pitchFamily="49" charset="-122"/>
-              </a:rPr>
-              <a:t>(</a:t>
-            </a:r>
-            <a:r>
-              <a:rPr lang="en-US" altLang="zh-CN" dirty="0" err="1">
-                <a:solidFill>
-                  <a:srgbClr val="000000"/>
-                </a:solidFill>
-                <a:latin typeface="新宋体" panose="02010609030101010101" pitchFamily="49" charset="-122"/>
-                <a:ea typeface="新宋体" panose="02010609030101010101" pitchFamily="49" charset="-122"/>
-              </a:rPr>
-              <a:t>volumeMapper</a:t>
-            </a:r>
-            <a:r>
-              <a:rPr lang="en-US" altLang="zh-CN" dirty="0">
-                <a:solidFill>
-                  <a:srgbClr val="008080"/>
-                </a:solidFill>
-                <a:latin typeface="新宋体" panose="02010609030101010101" pitchFamily="49" charset="-122"/>
-                <a:ea typeface="新宋体" panose="02010609030101010101" pitchFamily="49" charset="-122"/>
-              </a:rPr>
-              <a:t>-&gt;</a:t>
-            </a:r>
-            <a:r>
-              <a:rPr lang="en-US" altLang="zh-CN" dirty="0" err="1">
-                <a:solidFill>
-                  <a:srgbClr val="000000"/>
-                </a:solidFill>
-                <a:latin typeface="新宋体" panose="02010609030101010101" pitchFamily="49" charset="-122"/>
-                <a:ea typeface="新宋体" panose="02010609030101010101" pitchFamily="49" charset="-122"/>
-              </a:rPr>
-              <a:t>GetSampleDistance</a:t>
-            </a:r>
-            <a:r>
-              <a:rPr lang="en-US" altLang="zh-CN" dirty="0">
-                <a:solidFill>
-                  <a:srgbClr val="000000"/>
-                </a:solidFill>
-                <a:latin typeface="新宋体" panose="02010609030101010101" pitchFamily="49" charset="-122"/>
-                <a:ea typeface="新宋体" panose="02010609030101010101" pitchFamily="49" charset="-122"/>
-              </a:rPr>
-              <a:t>()*4);  </a:t>
-            </a:r>
-          </a:p>
-          <a:p>
-            <a:r>
-              <a:rPr lang="zh-CN" altLang="en-US" dirty="0">
-                <a:solidFill>
-                  <a:srgbClr val="000000"/>
-                </a:solidFill>
-                <a:latin typeface="新宋体" panose="02010609030101010101" pitchFamily="49" charset="-122"/>
-                <a:ea typeface="新宋体" panose="02010609030101010101" pitchFamily="49" charset="-122"/>
-              </a:rPr>
-              <a:t> </a:t>
-            </a:r>
-            <a:endParaRPr lang="zh-CN" altLang="en-US" dirty="0"/>
-          </a:p>
-        </p:txBody>
-      </p:sp>
-    </p:spTree>
-    <p:extLst>
-      <p:ext uri="{BB962C8B-B14F-4D97-AF65-F5344CB8AC3E}">
-        <p14:creationId xmlns:p14="http://schemas.microsoft.com/office/powerpoint/2010/main" val="3272603641"/>
       </p:ext>
     </p:extLst>
   </p:cSld>
